--- a/Presentation and Documentation/Location Finders Presentation.pptx
+++ b/Presentation and Documentation/Location Finders Presentation.pptx
@@ -8,8 +8,9 @@
     <p:sldId id="256" r:id="rId2"/>
     <p:sldId id="257" r:id="rId3"/>
     <p:sldId id="258" r:id="rId4"/>
-    <p:sldId id="259" r:id="rId5"/>
-    <p:sldId id="260" r:id="rId6"/>
+    <p:sldId id="261" r:id="rId5"/>
+    <p:sldId id="259" r:id="rId6"/>
+    <p:sldId id="260" r:id="rId7"/>
   </p:sldIdLst>
   <p:sldSz cx="12192000" cy="6858000"/>
   <p:notesSz cx="6858000" cy="9144000"/>
@@ -119,7 +120,9 @@
 <file path=ppt/revisionInfo.xml><?xml version="1.0" encoding="utf-8"?>
 <p1510:revInfo xmlns:a="http://schemas.openxmlformats.org/drawingml/2006/main" xmlns:r="http://schemas.openxmlformats.org/officeDocument/2006/relationships" xmlns:p1510="http://schemas.microsoft.com/office/powerpoint/2015/10/main">
   <p1510:revLst>
+    <p1510:client id="{6C4B7979-79F1-4A1A-AA74-C11C7E764C7D}" v="77" dt="2022-03-20T15:14:35.089"/>
     <p1510:client id="{7E2EAEE0-EFA3-49FE-8A7C-7EFBDACDF429}" v="425" dt="2022-03-17T18:06:29.332"/>
+    <p1510:client id="{DF9FB38C-2E24-44DD-9458-2F3D85BCB029}" v="243" dt="2022-03-20T15:05:30.808"/>
   </p1510:revLst>
 </p1510:revInfo>
 </file>
@@ -5664,14 +5667,15 @@
           <a:p>
             <a:pPr algn="ctr"/>
             <a:r>
-              <a:rPr lang="en-US" sz="6000" b="1" dirty="0">
+              <a:rPr lang="en" sz="6000" dirty="0">
                 <a:latin typeface="Times New Roman"/>
                 <a:cs typeface="Calibri Light"/>
               </a:rPr>
-              <a:t>УЧАСТНИЦИ</a:t>
-            </a:r>
-            <a:endParaRPr lang="en-US" sz="6000" b="1">
-              <a:cs typeface="Arial"/>
+              <a:t>Participants</a:t>
+            </a:r>
+            <a:endParaRPr lang="en-US" sz="6000">
+              <a:latin typeface="Times New Roman"/>
+              <a:cs typeface="Times New Roman"/>
             </a:endParaRPr>
           </a:p>
         </p:txBody>
@@ -5712,11 +5716,32 @@
               <a:buChar char="v"/>
             </a:pPr>
             <a:r>
+              <a:rPr lang="en-US" sz="3200" b="1" dirty="0" err="1">
+                <a:latin typeface="Times New Roman"/>
+                <a:cs typeface="Calibri" panose="020F0502020204030204"/>
+              </a:rPr>
+              <a:t>Мартин</a:t>
+            </a:r>
+            <a:r>
               <a:rPr lang="en-US" sz="3200" b="1" dirty="0">
                 <a:latin typeface="Times New Roman"/>
                 <a:cs typeface="Calibri" panose="020F0502020204030204"/>
               </a:rPr>
-              <a:t>Мартин Кафеджиев IX a - </a:t>
+              <a:t> </a:t>
+            </a:r>
+            <a:r>
+              <a:rPr lang="en-US" sz="3200" b="1" dirty="0" err="1">
+                <a:latin typeface="Times New Roman"/>
+                <a:cs typeface="Calibri" panose="020F0502020204030204"/>
+              </a:rPr>
+              <a:t>Кафеджиев</a:t>
+            </a:r>
+            <a:r>
+              <a:rPr lang="en-US" sz="3200" b="1" dirty="0">
+                <a:latin typeface="Times New Roman"/>
+                <a:cs typeface="Calibri" panose="020F0502020204030204"/>
+              </a:rPr>
+              <a:t> IX a - </a:t>
             </a:r>
             <a:r>
               <a:rPr lang="en-US" sz="3200" dirty="0">
@@ -5725,7 +5750,7 @@
               </a:rPr>
               <a:t>Scrum Trainer</a:t>
             </a:r>
-            <a:endParaRPr lang="en-US" sz="3200" dirty="0">
+            <a:endParaRPr lang="en-US" sz="3200">
               <a:cs typeface="Calibri" panose="020F0502020204030204"/>
             </a:endParaRPr>
           </a:p>
@@ -5738,7 +5763,7 @@
               <a:buChar char="v"/>
             </a:pPr>
             <a:r>
-              <a:rPr lang="en-US" sz="3200" b="1" dirty="0" err="1">
+              <a:rPr lang="en-US" sz="3200" b="1" err="1">
                 <a:latin typeface="Times New Roman"/>
                 <a:cs typeface="Calibri" panose="020F0502020204030204"/>
               </a:rPr>
@@ -5752,7 +5777,7 @@
               <a:t> </a:t>
             </a:r>
             <a:r>
-              <a:rPr lang="en-US" sz="3200" b="1" dirty="0" err="1">
+              <a:rPr lang="en-US" sz="3200" b="1" err="1">
                 <a:latin typeface="Times New Roman"/>
                 <a:cs typeface="Calibri" panose="020F0502020204030204"/>
               </a:rPr>
@@ -5782,7 +5807,7 @@
               <a:buChar char="v"/>
             </a:pPr>
             <a:r>
-              <a:rPr lang="en-US" sz="3200" b="1" dirty="0" err="1">
+              <a:rPr lang="en-US" sz="3200" b="1" err="1">
                 <a:latin typeface="Times New Roman"/>
                 <a:cs typeface="Calibri" panose="020F0502020204030204"/>
               </a:rPr>
@@ -5796,7 +5821,7 @@
               <a:t> </a:t>
             </a:r>
             <a:r>
-              <a:rPr lang="en-US" sz="3200" b="1" dirty="0" err="1">
+              <a:rPr lang="en-US" sz="3200" b="1" err="1">
                 <a:latin typeface="Times New Roman"/>
                 <a:cs typeface="Calibri" panose="020F0502020204030204"/>
               </a:rPr>
@@ -5826,7 +5851,7 @@
               <a:buChar char="v"/>
             </a:pPr>
             <a:r>
-              <a:rPr lang="en-US" sz="3200" b="1" dirty="0" err="1">
+              <a:rPr lang="en-US" sz="3200" b="1" err="1">
                 <a:latin typeface="Times New Roman"/>
                 <a:cs typeface="Calibri" panose="020F0502020204030204"/>
               </a:rPr>
@@ -5840,7 +5865,7 @@
               <a:t> </a:t>
             </a:r>
             <a:r>
-              <a:rPr lang="en-US" sz="3200" b="1" dirty="0" err="1">
+              <a:rPr lang="en-US" sz="3200" b="1" err="1">
                 <a:latin typeface="Times New Roman"/>
                 <a:cs typeface="Calibri" panose="020F0502020204030204"/>
               </a:rPr>
@@ -5975,7 +6000,7 @@
         <p:spPr>
           <a:xfrm>
             <a:off x="2141567" y="390866"/>
-            <a:ext cx="8421095" cy="1008111"/>
+            <a:ext cx="8446215" cy="1753363"/>
           </a:xfrm>
         </p:spPr>
         <p:txBody>
@@ -5990,10 +6015,11 @@
                 <a:latin typeface="Times New Roman"/>
                 <a:cs typeface="Calibri Light"/>
               </a:rPr>
-              <a:t>ГЛАВНА МИСЪЛ НА ПРОЕКТА</a:t>
-            </a:r>
-            <a:endParaRPr lang="en-US" sz="6000">
-              <a:cs typeface="Arial" panose="020B0604020202020204"/>
+              <a:t>Purpose of the project</a:t>
+            </a:r>
+            <a:endParaRPr lang="en-US" sz="3200">
+              <a:latin typeface="Times New Roman"/>
+              <a:cs typeface="Times New Roman"/>
             </a:endParaRPr>
           </a:p>
         </p:txBody>
@@ -6089,19 +6115,20 @@
           </a:bodyPr>
           <a:lstStyle/>
           <a:p>
-            <a:pPr marL="6160" indent="0">
+            <a:pPr marL="6350" indent="0">
               <a:buNone/>
             </a:pPr>
             <a:r>
-              <a:rPr lang="bg-BG" sz="3600" dirty="0">
-                <a:latin typeface="Times New Roman" panose="02020603050405020304" pitchFamily="18" charset="0"/>
-                <a:cs typeface="Times New Roman" panose="02020603050405020304" pitchFamily="18" charset="0"/>
+              <a:rPr lang="en-US" sz="3200" dirty="0">
+                <a:latin typeface="Times New Roman"/>
+                <a:ea typeface="+mn-lt"/>
+                <a:cs typeface="+mn-lt"/>
               </a:rPr>
-              <a:t>Главната ни мисъл беше да направим игра за деца с която те ще научат влаговете на различни страни докато развиват паметта си, въображението си, и креативността си.</a:t>
-            </a:r>
-            <a:endParaRPr lang="en-US" sz="3600" dirty="0">
-              <a:latin typeface="Times New Roman" panose="02020603050405020304" pitchFamily="18" charset="0"/>
-              <a:cs typeface="Times New Roman" panose="02020603050405020304" pitchFamily="18" charset="0"/>
+              <a:t>Our main idea was to make a game for children with which they can learn the flags of different countries while developing their memory, imagination and creativity.</a:t>
+            </a:r>
+            <a:endParaRPr lang="en-US" sz="3200">
+              <a:latin typeface="Times New Roman"/>
+              <a:cs typeface="Times New Roman"/>
             </a:endParaRPr>
           </a:p>
         </p:txBody>
@@ -6120,6 +6147,124 @@
 </file>
 
 <file path=ppt/slides/slide4.xml><?xml version="1.0" encoding="utf-8"?>
+<p:sld xmlns:a="http://schemas.openxmlformats.org/drawingml/2006/main" xmlns:r="http://schemas.openxmlformats.org/officeDocument/2006/relationships" xmlns:p="http://schemas.openxmlformats.org/presentationml/2006/main">
+  <p:cSld>
+    <p:spTree>
+      <p:nvGrpSpPr>
+        <p:cNvPr id="1" name=""/>
+        <p:cNvGrpSpPr/>
+        <p:nvPr/>
+      </p:nvGrpSpPr>
+      <p:grpSpPr>
+        <a:xfrm>
+          <a:off x="0" y="0"/>
+          <a:ext cx="0" cy="0"/>
+          <a:chOff x="0" y="0"/>
+          <a:chExt cx="0" cy="0"/>
+        </a:xfrm>
+      </p:grpSpPr>
+      <p:sp>
+        <p:nvSpPr>
+          <p:cNvPr id="2" name="Title 1">
+            <a:extLst>
+              <a:ext uri="{FF2B5EF4-FFF2-40B4-BE49-F238E27FC236}">
+                <a16:creationId xmlns:a16="http://schemas.microsoft.com/office/drawing/2014/main" id="{038E5288-7131-4EFF-B5CF-9EFDA899E62D}"/>
+              </a:ext>
+            </a:extLst>
+          </p:cNvPr>
+          <p:cNvSpPr>
+            <a:spLocks noGrp="1"/>
+          </p:cNvSpPr>
+          <p:nvPr>
+            <p:ph type="title"/>
+          </p:nvPr>
+        </p:nvSpPr>
+        <p:spPr>
+          <a:xfrm>
+            <a:off x="3884599" y="749441"/>
+            <a:ext cx="4433035" cy="1077229"/>
+          </a:xfrm>
+        </p:spPr>
+        <p:txBody>
+          <a:bodyPr>
+            <a:normAutofit/>
+          </a:bodyPr>
+          <a:lstStyle/>
+          <a:p>
+            <a:pPr algn="ctr"/>
+            <a:r>
+              <a:rPr lang="en-US" sz="6000" b="1" dirty="0">
+                <a:latin typeface="Times New Roman"/>
+                <a:cs typeface="Arial"/>
+              </a:rPr>
+              <a:t>Future plans</a:t>
+            </a:r>
+            <a:endParaRPr lang="en-US" sz="6000" b="1">
+              <a:latin typeface="Times New Roman"/>
+              <a:cs typeface="Times New Roman"/>
+            </a:endParaRPr>
+          </a:p>
+        </p:txBody>
+      </p:sp>
+      <p:sp>
+        <p:nvSpPr>
+          <p:cNvPr id="3" name="Content Placeholder 2">
+            <a:extLst>
+              <a:ext uri="{FF2B5EF4-FFF2-40B4-BE49-F238E27FC236}">
+                <a16:creationId xmlns:a16="http://schemas.microsoft.com/office/drawing/2014/main" id="{3733812D-FE19-4971-B8F8-D569B5807FB5}"/>
+              </a:ext>
+            </a:extLst>
+          </p:cNvPr>
+          <p:cNvSpPr>
+            <a:spLocks noGrp="1"/>
+          </p:cNvSpPr>
+          <p:nvPr>
+            <p:ph idx="1"/>
+          </p:nvPr>
+        </p:nvSpPr>
+        <p:spPr>
+          <a:xfrm>
+            <a:off x="2195819" y="2119105"/>
+            <a:ext cx="7796540" cy="3997828"/>
+          </a:xfrm>
+        </p:spPr>
+        <p:txBody>
+          <a:bodyPr>
+            <a:normAutofit/>
+          </a:bodyPr>
+          <a:lstStyle/>
+          <a:p>
+            <a:pPr marL="6350" indent="0">
+              <a:buNone/>
+            </a:pPr>
+            <a:r>
+              <a:rPr lang="en" sz="3200" dirty="0">
+                <a:latin typeface="Times New Roman"/>
+                <a:cs typeface="Arial"/>
+              </a:rPr>
+              <a:t>We plan to add more countries from different continents and improve the drawing page so you can see your result compared to the original flag of the country you selected.</a:t>
+            </a:r>
+            <a:endParaRPr lang="en" sz="3200">
+              <a:latin typeface="Times New Roman"/>
+              <a:cs typeface="Times New Roman"/>
+            </a:endParaRPr>
+          </a:p>
+        </p:txBody>
+      </p:sp>
+    </p:spTree>
+    <p:extLst>
+      <p:ext uri="{BB962C8B-B14F-4D97-AF65-F5344CB8AC3E}">
+        <p14:creationId xmlns:p14="http://schemas.microsoft.com/office/powerpoint/2010/main" val="3439515717"/>
+      </p:ext>
+    </p:extLst>
+  </p:cSld>
+  <p:clrMapOvr>
+    <a:masterClrMapping/>
+  </p:clrMapOvr>
+</p:sld>
+</file>
+
+<file path=ppt/slides/slide5.xml><?xml version="1.0" encoding="utf-8"?>
 <p:sld xmlns:a="http://schemas.openxmlformats.org/drawingml/2006/main" xmlns:r="http://schemas.openxmlformats.org/officeDocument/2006/relationships" xmlns:p="http://schemas.openxmlformats.org/presentationml/2006/main">
   <p:cSld>
     <p:bg>
@@ -6381,8 +6526,8 @@
         </p:nvSpPr>
         <p:spPr>
           <a:xfrm>
-            <a:off x="2954343" y="347789"/>
-            <a:ext cx="5416708" cy="1458229"/>
+            <a:off x="3046453" y="356163"/>
+            <a:ext cx="5542312" cy="1449856"/>
           </a:xfrm>
         </p:spPr>
         <p:txBody>
@@ -6397,11 +6542,10 @@
                 <a:latin typeface="Times New Roman"/>
                 <a:cs typeface="Times New Roman"/>
               </a:rPr>
-              <a:t>ИЗПОЛВАНИ ТЕХНОЛОГИИ</a:t>
+              <a:t>Technologies used</a:t>
             </a:r>
             <a:endParaRPr lang="en-US" sz="6000">
-              <a:latin typeface="Times New Roman"/>
-              <a:cs typeface="Times New Roman"/>
+              <a:cs typeface="Arial"/>
             </a:endParaRPr>
           </a:p>
         </p:txBody>
@@ -6457,7 +6601,7 @@
         </p:blipFill>
         <p:spPr>
           <a:xfrm>
-            <a:off x="5759174" y="4011544"/>
+            <a:off x="5672518" y="4011552"/>
             <a:ext cx="3365811" cy="1831122"/>
           </a:xfrm>
           <a:prstGeom prst="rect">
@@ -6560,102 +6704,10 @@
       </p:pic>
       <p:pic>
         <p:nvPicPr>
-          <p:cNvPr id="1026" name="Picture 2">
+          <p:cNvPr id="3" name="Picture 3" descr="Icon&#10;&#10;Description automatically generated">
             <a:extLst>
               <a:ext uri="{FF2B5EF4-FFF2-40B4-BE49-F238E27FC236}">
-                <a16:creationId xmlns:a16="http://schemas.microsoft.com/office/drawing/2014/main" id="{74CC7E54-5D23-43D7-A217-46EBAEB2DEA2}"/>
-              </a:ext>
-            </a:extLst>
-          </p:cNvPr>
-          <p:cNvPicPr>
-            <a:picLocks noChangeAspect="1" noChangeArrowheads="1"/>
-          </p:cNvPicPr>
-          <p:nvPr/>
-        </p:nvPicPr>
-        <p:blipFill>
-          <a:blip r:embed="rId8" cstate="print">
-            <a:extLst>
-              <a:ext uri="{28A0092B-C50C-407E-A947-70E740481C1C}">
-                <a14:useLocalDpi xmlns:a14="http://schemas.microsoft.com/office/drawing/2010/main" val="0"/>
-              </a:ext>
-            </a:extLst>
-          </a:blip>
-          <a:srcRect/>
-          <a:stretch>
-            <a:fillRect/>
-          </a:stretch>
-        </p:blipFill>
-        <p:spPr bwMode="auto">
-          <a:xfrm>
-            <a:off x="7492862" y="1772173"/>
-            <a:ext cx="2586106" cy="1656826"/>
-          </a:xfrm>
-          <a:prstGeom prst="rect">
-            <a:avLst/>
-          </a:prstGeom>
-          <a:noFill/>
-          <a:extLst>
-            <a:ext uri="{909E8E84-426E-40DD-AFC4-6F175D3DCCD1}">
-              <a14:hiddenFill xmlns:a14="http://schemas.microsoft.com/office/drawing/2010/main">
-                <a:solidFill>
-                  <a:srgbClr val="FFFFFF"/>
-                </a:solidFill>
-              </a14:hiddenFill>
-            </a:ext>
-          </a:extLst>
-        </p:spPr>
-      </p:pic>
-      <p:pic>
-        <p:nvPicPr>
-          <p:cNvPr id="1028" name="Picture 4" descr="Pixlr E Design / Photo Editor – Приложения в Google Play">
-            <a:extLst>
-              <a:ext uri="{FF2B5EF4-FFF2-40B4-BE49-F238E27FC236}">
-                <a16:creationId xmlns:a16="http://schemas.microsoft.com/office/drawing/2014/main" id="{8B0DEE9B-3C2D-4385-AED3-21F697E66FD6}"/>
-              </a:ext>
-            </a:extLst>
-          </p:cNvPr>
-          <p:cNvPicPr>
-            <a:picLocks noChangeAspect="1" noChangeArrowheads="1"/>
-          </p:cNvPicPr>
-          <p:nvPr/>
-        </p:nvPicPr>
-        <p:blipFill rotWithShape="1">
-          <a:blip r:embed="rId9" cstate="print">
-            <a:extLst>
-              <a:ext uri="{28A0092B-C50C-407E-A947-70E740481C1C}">
-                <a14:useLocalDpi xmlns:a14="http://schemas.microsoft.com/office/drawing/2010/main" val="0"/>
-              </a:ext>
-            </a:extLst>
-          </a:blip>
-          <a:srcRect l="16660" r="17383"/>
-          <a:stretch/>
-        </p:blipFill>
-        <p:spPr bwMode="auto">
-          <a:xfrm>
-            <a:off x="5551359" y="1896616"/>
-            <a:ext cx="1263863" cy="1916185"/>
-          </a:xfrm>
-          <a:prstGeom prst="rect">
-            <a:avLst/>
-          </a:prstGeom>
-          <a:noFill/>
-          <a:extLst>
-            <a:ext uri="{909E8E84-426E-40DD-AFC4-6F175D3DCCD1}">
-              <a14:hiddenFill xmlns:a14="http://schemas.microsoft.com/office/drawing/2010/main">
-                <a:solidFill>
-                  <a:srgbClr val="FFFFFF"/>
-                </a:solidFill>
-              </a14:hiddenFill>
-            </a:ext>
-          </a:extLst>
-        </p:spPr>
-      </p:pic>
-      <p:pic>
-        <p:nvPicPr>
-          <p:cNvPr id="4" name="Graphic 3">
-            <a:extLst>
-              <a:ext uri="{FF2B5EF4-FFF2-40B4-BE49-F238E27FC236}">
-                <a16:creationId xmlns:a16="http://schemas.microsoft.com/office/drawing/2014/main" id="{D2A81428-AFB7-4D2E-9014-567ECB7F3D6B}"/>
+                <a16:creationId xmlns:a16="http://schemas.microsoft.com/office/drawing/2014/main" id="{C55C5E77-D9E3-4DB6-9D26-C4A4DB2C73E7}"/>
               </a:ext>
             </a:extLst>
           </p:cNvPr>
@@ -6664,24 +6716,76 @@
           </p:cNvPicPr>
           <p:nvPr/>
         </p:nvPicPr>
-        <p:blipFill rotWithShape="1">
-          <a:blip r:embed="rId10" cstate="print">
+        <p:blipFill>
+          <a:blip r:embed="rId8"/>
+          <a:stretch>
+            <a:fillRect/>
+          </a:stretch>
+        </p:blipFill>
+        <p:spPr>
+          <a:xfrm>
+            <a:off x="4372707" y="1811039"/>
+            <a:ext cx="1294563" cy="1921263"/>
+          </a:xfrm>
+          <a:prstGeom prst="rect">
+            <a:avLst/>
+          </a:prstGeom>
+        </p:spPr>
+      </p:pic>
+      <p:pic>
+        <p:nvPicPr>
+          <p:cNvPr id="11" name="Picture 11">
             <a:extLst>
-              <a:ext uri="{28A0092B-C50C-407E-A947-70E740481C1C}">
-                <a14:useLocalDpi xmlns:a14="http://schemas.microsoft.com/office/drawing/2010/main" val="0"/>
-              </a:ext>
-              <a:ext uri="{96DAC541-7B7A-43D3-8B79-37D633B846F1}">
-                <asvg:svgBlip xmlns:asvg="http://schemas.microsoft.com/office/drawing/2016/SVG/main" r:embed="rId11"/>
+              <a:ext uri="{FF2B5EF4-FFF2-40B4-BE49-F238E27FC236}">
+                <a16:creationId xmlns:a16="http://schemas.microsoft.com/office/drawing/2014/main" id="{A80A28F3-BF7F-4714-9694-F47E5C32F175}"/>
               </a:ext>
             </a:extLst>
-          </a:blip>
-          <a:srcRect l="16540" r="16769"/>
-          <a:stretch/>
+          </p:cNvPr>
+          <p:cNvPicPr>
+            <a:picLocks noChangeAspect="1"/>
+          </p:cNvPicPr>
+          <p:nvPr/>
+        </p:nvPicPr>
+        <p:blipFill>
+          <a:blip r:embed="rId9"/>
+          <a:stretch>
+            <a:fillRect/>
+          </a:stretch>
         </p:blipFill>
         <p:spPr>
           <a:xfrm>
-            <a:off x="4273432" y="1896616"/>
-            <a:ext cx="1277927" cy="1916185"/>
+            <a:off x="5675641" y="1807029"/>
+            <a:ext cx="1292894" cy="1929283"/>
+          </a:xfrm>
+          <a:prstGeom prst="rect">
+            <a:avLst/>
+          </a:prstGeom>
+        </p:spPr>
+      </p:pic>
+      <p:pic>
+        <p:nvPicPr>
+          <p:cNvPr id="15" name="Picture 15" descr="A picture containing accessory, vector graphics, silhouette&#10;&#10;Description automatically generated">
+            <a:extLst>
+              <a:ext uri="{FF2B5EF4-FFF2-40B4-BE49-F238E27FC236}">
+                <a16:creationId xmlns:a16="http://schemas.microsoft.com/office/drawing/2014/main" id="{1F817974-C914-43E8-BAAD-81FDC72C0EE8}"/>
+              </a:ext>
+            </a:extLst>
+          </p:cNvPr>
+          <p:cNvPicPr>
+            <a:picLocks noChangeAspect="1"/>
+          </p:cNvPicPr>
+          <p:nvPr/>
+        </p:nvPicPr>
+        <p:blipFill>
+          <a:blip r:embed="rId10"/>
+          <a:stretch>
+            <a:fillRect/>
+          </a:stretch>
+        </p:blipFill>
+        <p:spPr>
+          <a:xfrm>
+            <a:off x="7764027" y="1805067"/>
+            <a:ext cx="2709705" cy="1941581"/>
           </a:xfrm>
           <a:prstGeom prst="rect">
             <a:avLst/>
@@ -6701,7 +6805,7 @@
 </p:sld>
 </file>
 
-<file path=ppt/slides/slide5.xml><?xml version="1.0" encoding="utf-8"?>
+<file path=ppt/slides/slide6.xml><?xml version="1.0" encoding="utf-8"?>
 <p:sld xmlns:a="http://schemas.openxmlformats.org/drawingml/2006/main" xmlns:r="http://schemas.openxmlformats.org/officeDocument/2006/relationships" xmlns:p="http://schemas.openxmlformats.org/presentationml/2006/main">
   <p:cSld>
     <p:spTree>
@@ -6752,12 +6856,41 @@
                 <a:latin typeface="Times New Roman"/>
                 <a:cs typeface="Calibri Light"/>
               </a:rPr>
-              <a:t>БЛАГОДАРЯ ЗА ВНИМАНИЕТО!</a:t>
-            </a:r>
-            <a:endParaRPr lang="en-US" sz="6000" b="1">
-              <a:latin typeface="Times New Roman"/>
-              <a:cs typeface="Times New Roman"/>
+              <a:t>Thank you for your attention!</a:t>
+            </a:r>
+            <a:endParaRPr lang="en-US">
+              <a:cs typeface="Arial" panose="020B0604020202020204"/>
             </a:endParaRPr>
+          </a:p>
+        </p:txBody>
+      </p:sp>
+      <p:sp>
+        <p:nvSpPr>
+          <p:cNvPr id="3" name="Content Placeholder 2">
+            <a:extLst>
+              <a:ext uri="{FF2B5EF4-FFF2-40B4-BE49-F238E27FC236}">
+                <a16:creationId xmlns:a16="http://schemas.microsoft.com/office/drawing/2014/main" id="{2F820535-BFED-446D-99EF-5DCFE3A39ECD}"/>
+              </a:ext>
+            </a:extLst>
+          </p:cNvPr>
+          <p:cNvSpPr>
+            <a:spLocks noGrp="1"/>
+          </p:cNvSpPr>
+          <p:nvPr>
+            <p:ph idx="1"/>
+          </p:nvPr>
+        </p:nvSpPr>
+        <p:spPr>
+          <a:xfrm>
+            <a:off x="2207542" y="6602345"/>
+            <a:ext cx="7796540" cy="3997828"/>
+          </a:xfrm>
+        </p:spPr>
+        <p:txBody>
+          <a:bodyPr/>
+          <a:lstStyle/>
+          <a:p>
+            <a:endParaRPr lang="en-US"/>
           </a:p>
         </p:txBody>
       </p:sp>
@@ -6824,42 +6957,6 @@
           </a:custGeom>
         </p:spPr>
       </p:pic>
-      <p:sp>
-        <p:nvSpPr>
-          <p:cNvPr id="4" name="TextBox 3">
-            <a:extLst>
-              <a:ext uri="{FF2B5EF4-FFF2-40B4-BE49-F238E27FC236}">
-                <a16:creationId xmlns:a16="http://schemas.microsoft.com/office/drawing/2014/main" id="{D8FE7F36-9D1E-4D47-9B58-6BC8A1191A3E}"/>
-              </a:ext>
-            </a:extLst>
-          </p:cNvPr>
-          <p:cNvSpPr txBox="1"/>
-          <p:nvPr/>
-        </p:nvSpPr>
-        <p:spPr>
-          <a:xfrm>
-            <a:off x="2207542" y="5780015"/>
-            <a:ext cx="1967205" cy="369332"/>
-          </a:xfrm>
-          <a:prstGeom prst="rect">
-            <a:avLst/>
-          </a:prstGeom>
-          <a:noFill/>
-        </p:spPr>
-        <p:txBody>
-          <a:bodyPr wrap="none" rtlCol="0">
-            <a:spAutoFit/>
-          </a:bodyPr>
-          <a:lstStyle/>
-          <a:p>
-            <a:r>
-              <a:rPr lang="en-US" dirty="0"/>
-              <a:t>-Location Finders</a:t>
-            </a:r>
-            <a:endParaRPr lang="bg-BG" dirty="0"/>
-          </a:p>
-        </p:txBody>
-      </p:sp>
     </p:spTree>
     <p:extLst>
       <p:ext uri="{BB962C8B-B14F-4D97-AF65-F5344CB8AC3E}">

--- a/Presentation and Documentation/Location Finders Presentation.pptx
+++ b/Presentation and Documentation/Location Finders Presentation.pptx
@@ -5413,7 +5413,13 @@
               </a:rPr>
               <a:t>Location Finders</a:t>
             </a:r>
-            <a:endParaRPr lang="en-US"/>
+            <a:br>
+              <a:rPr lang="bg-BG" sz="9600" b="1" dirty="0">
+                <a:latin typeface="Times New Roman"/>
+                <a:cs typeface="Calibri Light"/>
+              </a:rPr>
+            </a:br>
+            <a:endParaRPr lang="en-US" dirty="0"/>
           </a:p>
         </p:txBody>
       </p:sp>
@@ -5655,7 +5661,7 @@
         </p:nvSpPr>
         <p:spPr>
           <a:xfrm>
-            <a:off x="3471779" y="633885"/>
+            <a:off x="3293914" y="621778"/>
             <a:ext cx="5247789" cy="1077229"/>
           </a:xfrm>
         </p:spPr>
@@ -5673,7 +5679,7 @@
               </a:rPr>
               <a:t>Participants</a:t>
             </a:r>
-            <a:endParaRPr lang="en-US" sz="6000">
+            <a:endParaRPr lang="en-US" sz="6000" dirty="0">
               <a:latin typeface="Times New Roman"/>
               <a:cs typeface="Times New Roman"/>
             </a:endParaRPr>
@@ -5698,7 +5704,7 @@
         </p:nvSpPr>
         <p:spPr>
           <a:xfrm>
-            <a:off x="1282257" y="2160973"/>
+            <a:off x="1273868" y="2099959"/>
             <a:ext cx="9287882" cy="3888971"/>
           </a:xfrm>
         </p:spPr>
@@ -5741,7 +5747,7 @@
                 <a:latin typeface="Times New Roman"/>
                 <a:cs typeface="Calibri" panose="020F0502020204030204"/>
               </a:rPr>
-              <a:t> IX a - </a:t>
+              <a:t> IX A - </a:t>
             </a:r>
             <a:r>
               <a:rPr lang="en-US" sz="3200" dirty="0">
@@ -5750,7 +5756,7 @@
               </a:rPr>
               <a:t>Scrum Trainer</a:t>
             </a:r>
-            <a:endParaRPr lang="en-US" sz="3200">
+            <a:endParaRPr lang="en-US" sz="3200" dirty="0">
               <a:cs typeface="Calibri" panose="020F0502020204030204"/>
             </a:endParaRPr>
           </a:p>
@@ -5763,7 +5769,7 @@
               <a:buChar char="v"/>
             </a:pPr>
             <a:r>
-              <a:rPr lang="en-US" sz="3200" b="1" err="1">
+              <a:rPr lang="en-US" sz="3200" b="1" dirty="0" err="1">
                 <a:latin typeface="Times New Roman"/>
                 <a:cs typeface="Calibri" panose="020F0502020204030204"/>
               </a:rPr>
@@ -5777,7 +5783,7 @@
               <a:t> </a:t>
             </a:r>
             <a:r>
-              <a:rPr lang="en-US" sz="3200" b="1" err="1">
+              <a:rPr lang="en-US" sz="3200" b="1" dirty="0" err="1">
                 <a:latin typeface="Times New Roman"/>
                 <a:cs typeface="Calibri" panose="020F0502020204030204"/>
               </a:rPr>
@@ -5788,7 +5794,7 @@
                 <a:latin typeface="Times New Roman"/>
                 <a:cs typeface="Calibri" panose="020F0502020204030204"/>
               </a:rPr>
-              <a:t> IX a</a:t>
+              <a:t> IX A</a:t>
             </a:r>
             <a:r>
               <a:rPr lang="en-US" sz="3200" dirty="0">
@@ -5807,32 +5813,11 @@
               <a:buChar char="v"/>
             </a:pPr>
             <a:r>
-              <a:rPr lang="en-US" sz="3200" b="1" err="1">
-                <a:latin typeface="Times New Roman"/>
-                <a:cs typeface="Calibri" panose="020F0502020204030204"/>
-              </a:rPr>
-              <a:t>Самуил</a:t>
-            </a:r>
-            <a:r>
               <a:rPr lang="en-US" sz="3200" b="1" dirty="0">
                 <a:latin typeface="Times New Roman"/>
                 <a:cs typeface="Calibri" panose="020F0502020204030204"/>
               </a:rPr>
-              <a:t> </a:t>
-            </a:r>
-            <a:r>
-              <a:rPr lang="en-US" sz="3200" b="1" err="1">
-                <a:latin typeface="Times New Roman"/>
-                <a:cs typeface="Calibri" panose="020F0502020204030204"/>
-              </a:rPr>
-              <a:t>Шкварла</a:t>
-            </a:r>
-            <a:r>
-              <a:rPr lang="en-US" sz="3200" b="1" dirty="0">
-                <a:latin typeface="Times New Roman"/>
-                <a:cs typeface="Calibri" panose="020F0502020204030204"/>
-              </a:rPr>
-              <a:t> IX a</a:t>
+              <a:t>Самуил Шкварла IX A</a:t>
             </a:r>
             <a:r>
               <a:rPr lang="en-US" sz="3200" dirty="0">
@@ -5851,7 +5836,7 @@
               <a:buChar char="v"/>
             </a:pPr>
             <a:r>
-              <a:rPr lang="en-US" sz="3200" b="1" err="1">
+              <a:rPr lang="en-US" sz="3200" b="1" dirty="0" err="1">
                 <a:latin typeface="Times New Roman"/>
                 <a:cs typeface="Calibri" panose="020F0502020204030204"/>
               </a:rPr>
@@ -5865,7 +5850,7 @@
               <a:t> </a:t>
             </a:r>
             <a:r>
-              <a:rPr lang="en-US" sz="3200" b="1" err="1">
+              <a:rPr lang="en-US" sz="3200" b="1" dirty="0" err="1">
                 <a:latin typeface="Times New Roman"/>
                 <a:cs typeface="Calibri" panose="020F0502020204030204"/>
               </a:rPr>
@@ -5876,7 +5861,7 @@
                 <a:latin typeface="Times New Roman"/>
                 <a:cs typeface="Calibri" panose="020F0502020204030204"/>
               </a:rPr>
-              <a:t> IX a</a:t>
+              <a:t> IX A</a:t>
             </a:r>
             <a:r>
               <a:rPr lang="en-US" sz="3200" dirty="0">
@@ -5909,7 +5894,7 @@
         </p:blipFill>
         <p:spPr>
           <a:xfrm>
-            <a:off x="10322379" y="-2713"/>
+            <a:off x="10036531" y="131699"/>
             <a:ext cx="1050437" cy="1028693"/>
           </a:xfrm>
           <a:custGeom>
@@ -5999,7 +5984,7 @@
         </p:nvSpPr>
         <p:spPr>
           <a:xfrm>
-            <a:off x="2141567" y="390866"/>
+            <a:off x="2108011" y="390865"/>
             <a:ext cx="8446215" cy="1753363"/>
           </a:xfrm>
         </p:spPr>
@@ -6017,7 +6002,7 @@
               </a:rPr>
               <a:t>Purpose of the project</a:t>
             </a:r>
-            <a:endParaRPr lang="en-US" sz="3200">
+            <a:endParaRPr lang="en-US" sz="3200" dirty="0">
               <a:latin typeface="Times New Roman"/>
               <a:cs typeface="Times New Roman"/>
             </a:endParaRPr>
@@ -6045,7 +6030,7 @@
         </p:blipFill>
         <p:spPr>
           <a:xfrm>
-            <a:off x="10257065" y="117030"/>
+            <a:off x="10257065" y="238854"/>
             <a:ext cx="1050437" cy="1028693"/>
           </a:xfrm>
           <a:custGeom>
@@ -6105,8 +6090,8 @@
         </p:nvSpPr>
         <p:spPr>
           <a:xfrm>
-            <a:off x="2457648" y="2340189"/>
-            <a:ext cx="7796540" cy="3997828"/>
+            <a:off x="1258023" y="1697570"/>
+            <a:ext cx="5755174" cy="4769564"/>
           </a:xfrm>
         </p:spPr>
         <p:txBody>
@@ -6126,13 +6111,83 @@
               </a:rPr>
               <a:t>Our main idea was to make a game for children with which they can learn the flags of different countries while developing their memory, imagination and creativity.</a:t>
             </a:r>
-            <a:endParaRPr lang="en-US" sz="3200">
+            <a:endParaRPr lang="en-US" sz="3200" dirty="0">
               <a:latin typeface="Times New Roman"/>
               <a:cs typeface="Times New Roman"/>
             </a:endParaRPr>
           </a:p>
         </p:txBody>
       </p:sp>
+      <p:pic>
+        <p:nvPicPr>
+          <p:cNvPr id="1026" name="Picture 2" descr="Smart kids are fit kids! - Healthy Kids Running Series">
+            <a:extLst>
+              <a:ext uri="{FF2B5EF4-FFF2-40B4-BE49-F238E27FC236}">
+                <a16:creationId xmlns:a16="http://schemas.microsoft.com/office/drawing/2014/main" id="{3C1378E3-675B-49E8-B58C-05E13967BAB4}"/>
+              </a:ext>
+            </a:extLst>
+          </p:cNvPr>
+          <p:cNvPicPr>
+            <a:picLocks noChangeAspect="1" noChangeArrowheads="1"/>
+          </p:cNvPicPr>
+          <p:nvPr/>
+        </p:nvPicPr>
+        <p:blipFill>
+          <a:blip r:embed="rId3">
+            <a:extLst>
+              <a:ext uri="{28A0092B-C50C-407E-A947-70E740481C1C}">
+                <a14:useLocalDpi xmlns:a14="http://schemas.microsoft.com/office/drawing/2010/main" val="0"/>
+              </a:ext>
+            </a:extLst>
+          </a:blip>
+          <a:srcRect/>
+          <a:stretch>
+            <a:fillRect/>
+          </a:stretch>
+        </p:blipFill>
+        <p:spPr bwMode="auto">
+          <a:xfrm>
+            <a:off x="5634619" y="3087148"/>
+            <a:ext cx="4622446" cy="3069593"/>
+          </a:xfrm>
+          <a:prstGeom prst="ellipse">
+            <a:avLst/>
+          </a:prstGeom>
+          <a:ln w="63500" cap="rnd">
+            <a:solidFill>
+              <a:srgbClr val="333333"/>
+            </a:solidFill>
+          </a:ln>
+          <a:effectLst>
+            <a:outerShdw blurRad="381000" dist="292100" dir="5400000" sx="-80000" sy="-18000" rotWithShape="0">
+              <a:srgbClr val="000000">
+                <a:alpha val="22000"/>
+              </a:srgbClr>
+            </a:outerShdw>
+          </a:effectLst>
+          <a:scene3d>
+            <a:camera prst="orthographicFront"/>
+            <a:lightRig rig="contrasting" dir="t">
+              <a:rot lat="0" lon="0" rev="3000000"/>
+            </a:lightRig>
+          </a:scene3d>
+          <a:sp3d contourW="7620">
+            <a:bevelT w="95250" h="31750"/>
+            <a:contourClr>
+              <a:srgbClr val="333333"/>
+            </a:contourClr>
+          </a:sp3d>
+          <a:extLst>
+            <a:ext uri="{909E8E84-426E-40DD-AFC4-6F175D3DCCD1}">
+              <a14:hiddenFill xmlns:a14="http://schemas.microsoft.com/office/drawing/2010/main">
+                <a:solidFill>
+                  <a:srgbClr val="FFFFFF"/>
+                </a:solidFill>
+              </a14:hiddenFill>
+            </a:ext>
+          </a:extLst>
+        </p:spPr>
+      </p:pic>
     </p:spTree>
     <p:extLst>
       <p:ext uri="{BB962C8B-B14F-4D97-AF65-F5344CB8AC3E}">
@@ -6224,8 +6279,8 @@
         </p:nvSpPr>
         <p:spPr>
           <a:xfrm>
-            <a:off x="2195819" y="2119105"/>
-            <a:ext cx="7796540" cy="3997828"/>
+            <a:off x="1440809" y="1506708"/>
+            <a:ext cx="6308724" cy="4877314"/>
           </a:xfrm>
         </p:spPr>
         <p:txBody>
@@ -6234,7 +6289,7 @@
           </a:bodyPr>
           <a:lstStyle/>
           <a:p>
-            <a:pPr marL="6350" indent="0">
+            <a:pPr marL="6350" indent="0" algn="ctr">
               <a:buNone/>
             </a:pPr>
             <a:r>
@@ -6242,15 +6297,153 @@
                 <a:latin typeface="Times New Roman"/>
                 <a:cs typeface="Arial"/>
               </a:rPr>
-              <a:t>We plan to add more countries from different continents and improve the drawing page so you can see your result compared to the original flag of the country you selected.</a:t>
-            </a:r>
-            <a:endParaRPr lang="en" sz="3200">
+              <a:t>We plan to add more countries from different continents and improve the drawing page so you can see your result compared to the original flag of the country you selected and achievements system.</a:t>
+            </a:r>
+            <a:endParaRPr lang="en" sz="3200" dirty="0">
               <a:latin typeface="Times New Roman"/>
               <a:cs typeface="Times New Roman"/>
             </a:endParaRPr>
           </a:p>
         </p:txBody>
       </p:sp>
+      <p:pic>
+        <p:nvPicPr>
+          <p:cNvPr id="2052" name="Picture 4" descr="The World Around Us">
+            <a:extLst>
+              <a:ext uri="{FF2B5EF4-FFF2-40B4-BE49-F238E27FC236}">
+                <a16:creationId xmlns:a16="http://schemas.microsoft.com/office/drawing/2014/main" id="{A96B6AC1-FB5F-44BF-A23E-60F4B6A2E529}"/>
+              </a:ext>
+            </a:extLst>
+          </p:cNvPr>
+          <p:cNvPicPr>
+            <a:picLocks noChangeAspect="1" noChangeArrowheads="1"/>
+          </p:cNvPicPr>
+          <p:nvPr/>
+        </p:nvPicPr>
+        <p:blipFill>
+          <a:blip r:embed="rId2" cstate="print">
+            <a:extLst>
+              <a:ext uri="{BEBA8EAE-BF5A-486C-A8C5-ECC9F3942E4B}">
+                <a14:imgProps xmlns:a14="http://schemas.microsoft.com/office/drawing/2010/main">
+                  <a14:imgLayer r:embed="rId3">
+                    <a14:imgEffect>
+                      <a14:backgroundRemoval t="5918" b="90000" l="9694" r="90000">
+                        <a14:foregroundMark x1="10816" y1="46224" x2="10408" y2="51939"/>
+                        <a14:foregroundMark x1="31939" y1="12959" x2="55204" y2="8061"/>
+                        <a14:foregroundMark x1="47245" y1="6020" x2="52245" y2="6224"/>
+                        <a14:foregroundMark x1="89490" y1="42551" x2="90000" y2="49796"/>
+                        <a14:foregroundMark x1="90000" y1="39898" x2="90000" y2="44286"/>
+                        <a14:foregroundMark x1="10816" y1="46429" x2="11429" y2="41735"/>
+                        <a14:foregroundMark x1="10816" y1="42347" x2="9694" y2="46633"/>
+                        <a14:foregroundMark x1="90000" y1="54694" x2="88673" y2="57449"/>
+                        <a14:foregroundMark x1="89082" y1="57041" x2="89796" y2="56735"/>
+                        <a14:foregroundMark x1="28163" y1="79694" x2="25612" y2="77959"/>
+                        <a14:foregroundMark x1="28163" y1="79898" x2="26429" y2="77347"/>
+                      </a14:backgroundRemoval>
+                    </a14:imgEffect>
+                  </a14:imgLayer>
+                </a14:imgProps>
+              </a:ext>
+              <a:ext uri="{28A0092B-C50C-407E-A947-70E740481C1C}">
+                <a14:useLocalDpi xmlns:a14="http://schemas.microsoft.com/office/drawing/2010/main" val="0"/>
+              </a:ext>
+            </a:extLst>
+          </a:blip>
+          <a:srcRect/>
+          <a:stretch>
+            <a:fillRect/>
+          </a:stretch>
+        </p:blipFill>
+        <p:spPr bwMode="auto">
+          <a:xfrm>
+            <a:off x="7749533" y="2778646"/>
+            <a:ext cx="2763970" cy="2763970"/>
+          </a:xfrm>
+          <a:prstGeom prst="rect">
+            <a:avLst/>
+          </a:prstGeom>
+          <a:noFill/>
+          <a:effectLst>
+            <a:outerShdw blurRad="596900" dist="609600" dir="5400000" sx="112000" sy="112000" algn="ctr" rotWithShape="0">
+              <a:srgbClr val="000000">
+                <a:alpha val="46000"/>
+              </a:srgbClr>
+            </a:outerShdw>
+          </a:effectLst>
+          <a:extLst>
+            <a:ext uri="{909E8E84-426E-40DD-AFC4-6F175D3DCCD1}">
+              <a14:hiddenFill xmlns:a14="http://schemas.microsoft.com/office/drawing/2010/main">
+                <a:solidFill>
+                  <a:srgbClr val="FFFFFF"/>
+                </a:solidFill>
+              </a14:hiddenFill>
+            </a:ext>
+          </a:extLst>
+        </p:spPr>
+      </p:pic>
+      <p:pic>
+        <p:nvPicPr>
+          <p:cNvPr id="6" name="Picture 5" descr="Icon&#10;&#10;Description automatically generated">
+            <a:extLst>
+              <a:ext uri="{FF2B5EF4-FFF2-40B4-BE49-F238E27FC236}">
+                <a16:creationId xmlns:a16="http://schemas.microsoft.com/office/drawing/2014/main" id="{7BF9FE90-EFB6-4666-80F7-DCED6037CF5B}"/>
+              </a:ext>
+            </a:extLst>
+          </p:cNvPr>
+          <p:cNvPicPr>
+            <a:picLocks noChangeAspect="1"/>
+          </p:cNvPicPr>
+          <p:nvPr/>
+        </p:nvPicPr>
+        <p:blipFill rotWithShape="1">
+          <a:blip r:embed="rId4"/>
+          <a:srcRect r="-1" b="2425"/>
+          <a:stretch/>
+        </p:blipFill>
+        <p:spPr>
+          <a:xfrm>
+            <a:off x="10257065" y="238854"/>
+            <a:ext cx="1050437" cy="1028693"/>
+          </a:xfrm>
+          <a:custGeom>
+            <a:avLst/>
+            <a:gdLst/>
+            <a:ahLst/>
+            <a:cxnLst/>
+            <a:rect l="l" t="t" r="r" b="b"/>
+            <a:pathLst>
+              <a:path w="7028495" h="6858000">
+                <a:moveTo>
+                  <a:pt x="0" y="0"/>
+                </a:moveTo>
+                <a:lnTo>
+                  <a:pt x="6915668" y="0"/>
+                </a:lnTo>
+                <a:lnTo>
+                  <a:pt x="6952411" y="219663"/>
+                </a:lnTo>
+                <a:cubicBezTo>
+                  <a:pt x="7002551" y="569921"/>
+                  <a:pt x="7028495" y="927986"/>
+                  <a:pt x="7028495" y="1292112"/>
+                </a:cubicBezTo>
+                <a:cubicBezTo>
+                  <a:pt x="7028495" y="3343346"/>
+                  <a:pt x="6205186" y="5202289"/>
+                  <a:pt x="4870994" y="6556512"/>
+                </a:cubicBezTo>
+                <a:lnTo>
+                  <a:pt x="4556185" y="6858000"/>
+                </a:lnTo>
+                <a:lnTo>
+                  <a:pt x="0" y="6858000"/>
+                </a:lnTo>
+                <a:close/>
+              </a:path>
+            </a:pathLst>
+          </a:custGeom>
+        </p:spPr>
+      </p:pic>
     </p:spTree>
     <p:extLst>
       <p:ext uri="{BB962C8B-B14F-4D97-AF65-F5344CB8AC3E}">
@@ -6574,8 +6767,8 @@
         </p:blipFill>
         <p:spPr>
           <a:xfrm>
-            <a:off x="2410673" y="4011544"/>
-            <a:ext cx="3253707" cy="1831571"/>
+            <a:off x="5232084" y="4273046"/>
+            <a:ext cx="2844448" cy="1601192"/>
           </a:xfrm>
         </p:spPr>
       </p:pic>
@@ -6594,14 +6787,16 @@
           <p:nvPr/>
         </p:nvPicPr>
         <p:blipFill>
-          <a:blip r:embed="rId5"/>
+          <a:blip r:embed="rId5">
+            <a:lum bright="70000" contrast="-70000"/>
+          </a:blip>
           <a:stretch>
             <a:fillRect/>
           </a:stretch>
         </p:blipFill>
         <p:spPr>
           <a:xfrm>
-            <a:off x="5672518" y="4011552"/>
+            <a:off x="7404384" y="4074963"/>
             <a:ext cx="3365811" cy="1831122"/>
           </a:xfrm>
           <a:prstGeom prst="rect">
@@ -6631,8 +6826,8 @@
         </p:blipFill>
         <p:spPr>
           <a:xfrm>
-            <a:off x="1513115" y="1807029"/>
-            <a:ext cx="1796143" cy="1807029"/>
+            <a:off x="1490640" y="2109891"/>
+            <a:ext cx="1642966" cy="1652924"/>
           </a:xfrm>
           <a:prstGeom prst="rect">
             <a:avLst/>
@@ -6660,7 +6855,7 @@
         </p:blipFill>
         <p:spPr>
           <a:xfrm>
-            <a:off x="9495065" y="51716"/>
+            <a:off x="9509710" y="52398"/>
             <a:ext cx="1050437" cy="1028693"/>
           </a:xfrm>
           <a:custGeom>
@@ -6724,8 +6919,8 @@
         </p:blipFill>
         <p:spPr>
           <a:xfrm>
-            <a:off x="4372707" y="1811039"/>
-            <a:ext cx="1294563" cy="1921263"/>
+            <a:off x="4359520" y="2239611"/>
+            <a:ext cx="1001110" cy="1485749"/>
           </a:xfrm>
           <a:prstGeom prst="rect">
             <a:avLst/>
@@ -6754,8 +6949,8 @@
         </p:blipFill>
         <p:spPr>
           <a:xfrm>
-            <a:off x="5675641" y="1807029"/>
-            <a:ext cx="1292894" cy="1929283"/>
+            <a:off x="5360631" y="2231484"/>
+            <a:ext cx="1001110" cy="1493876"/>
           </a:xfrm>
           <a:prstGeom prst="rect">
             <a:avLst/>
@@ -6784,12 +6979,106 @@
         </p:blipFill>
         <p:spPr>
           <a:xfrm>
-            <a:off x="7764027" y="1805067"/>
-            <a:ext cx="2709705" cy="1941581"/>
+            <a:off x="7667820" y="2187555"/>
+            <a:ext cx="1841890" cy="1319767"/>
           </a:xfrm>
           <a:prstGeom prst="rect">
             <a:avLst/>
           </a:prstGeom>
+        </p:spPr>
+      </p:pic>
+      <p:pic>
+        <p:nvPicPr>
+          <p:cNvPr id="3074" name="Picture 2">
+            <a:extLst>
+              <a:ext uri="{FF2B5EF4-FFF2-40B4-BE49-F238E27FC236}">
+                <a16:creationId xmlns:a16="http://schemas.microsoft.com/office/drawing/2014/main" id="{8909516F-A1C8-404F-B798-0DABF5E102AB}"/>
+              </a:ext>
+            </a:extLst>
+          </p:cNvPr>
+          <p:cNvPicPr>
+            <a:picLocks noChangeAspect="1" noChangeArrowheads="1"/>
+          </p:cNvPicPr>
+          <p:nvPr/>
+        </p:nvPicPr>
+        <p:blipFill>
+          <a:blip r:embed="rId11" cstate="print">
+            <a:extLst>
+              <a:ext uri="{28A0092B-C50C-407E-A947-70E740481C1C}">
+                <a14:useLocalDpi xmlns:a14="http://schemas.microsoft.com/office/drawing/2010/main" val="0"/>
+              </a:ext>
+            </a:extLst>
+          </a:blip>
+          <a:srcRect/>
+          <a:stretch>
+            <a:fillRect/>
+          </a:stretch>
+        </p:blipFill>
+        <p:spPr bwMode="auto">
+          <a:xfrm>
+            <a:off x="1084655" y="4074963"/>
+            <a:ext cx="1954038" cy="1954038"/>
+          </a:xfrm>
+          <a:prstGeom prst="rect">
+            <a:avLst/>
+          </a:prstGeom>
+          <a:noFill/>
+          <a:extLst>
+            <a:ext uri="{909E8E84-426E-40DD-AFC4-6F175D3DCCD1}">
+              <a14:hiddenFill xmlns:a14="http://schemas.microsoft.com/office/drawing/2010/main">
+                <a:solidFill>
+                  <a:srgbClr val="FFFFFF"/>
+                </a:solidFill>
+              </a14:hiddenFill>
+            </a:ext>
+          </a:extLst>
+        </p:spPr>
+      </p:pic>
+      <p:pic>
+        <p:nvPicPr>
+          <p:cNvPr id="3076" name="Picture 4" descr="Download Microsoft Word (Multi-Tool Word) Logo in SVG Vector or PNG File  Format - Logo.wine">
+            <a:extLst>
+              <a:ext uri="{FF2B5EF4-FFF2-40B4-BE49-F238E27FC236}">
+                <a16:creationId xmlns:a16="http://schemas.microsoft.com/office/drawing/2014/main" id="{04CBAC48-9DF5-4833-81AE-3EFA669AF419}"/>
+              </a:ext>
+            </a:extLst>
+          </p:cNvPr>
+          <p:cNvPicPr>
+            <a:picLocks noChangeAspect="1" noChangeArrowheads="1"/>
+          </p:cNvPicPr>
+          <p:nvPr/>
+        </p:nvPicPr>
+        <p:blipFill>
+          <a:blip r:embed="rId12" cstate="print">
+            <a:extLst>
+              <a:ext uri="{28A0092B-C50C-407E-A947-70E740481C1C}">
+                <a14:useLocalDpi xmlns:a14="http://schemas.microsoft.com/office/drawing/2010/main" val="0"/>
+              </a:ext>
+            </a:extLst>
+          </a:blip>
+          <a:srcRect/>
+          <a:stretch>
+            <a:fillRect/>
+          </a:stretch>
+        </p:blipFill>
+        <p:spPr bwMode="auto">
+          <a:xfrm>
+            <a:off x="2745562" y="4066688"/>
+            <a:ext cx="3185496" cy="2123664"/>
+          </a:xfrm>
+          <a:prstGeom prst="rect">
+            <a:avLst/>
+          </a:prstGeom>
+          <a:noFill/>
+          <a:extLst>
+            <a:ext uri="{909E8E84-426E-40DD-AFC4-6F175D3DCCD1}">
+              <a14:hiddenFill xmlns:a14="http://schemas.microsoft.com/office/drawing/2010/main">
+                <a:solidFill>
+                  <a:srgbClr val="FFFFFF"/>
+                </a:solidFill>
+              </a14:hiddenFill>
+            </a:ext>
+          </a:extLst>
         </p:spPr>
       </p:pic>
     </p:spTree>
@@ -6840,7 +7129,7 @@
         </p:nvSpPr>
         <p:spPr>
           <a:xfrm>
-            <a:off x="2196194" y="891608"/>
+            <a:off x="2061970" y="2561017"/>
             <a:ext cx="7805057" cy="1018664"/>
           </a:xfrm>
         </p:spPr>
@@ -6858,39 +7147,9 @@
               </a:rPr>
               <a:t>Thank you for your attention!</a:t>
             </a:r>
-            <a:endParaRPr lang="en-US">
+            <a:endParaRPr lang="en-US" dirty="0">
               <a:cs typeface="Arial" panose="020B0604020202020204"/>
             </a:endParaRPr>
-          </a:p>
-        </p:txBody>
-      </p:sp>
-      <p:sp>
-        <p:nvSpPr>
-          <p:cNvPr id="3" name="Content Placeholder 2">
-            <a:extLst>
-              <a:ext uri="{FF2B5EF4-FFF2-40B4-BE49-F238E27FC236}">
-                <a16:creationId xmlns:a16="http://schemas.microsoft.com/office/drawing/2014/main" id="{2F820535-BFED-446D-99EF-5DCFE3A39ECD}"/>
-              </a:ext>
-            </a:extLst>
-          </p:cNvPr>
-          <p:cNvSpPr>
-            <a:spLocks noGrp="1"/>
-          </p:cNvSpPr>
-          <p:nvPr>
-            <p:ph idx="1"/>
-          </p:nvPr>
-        </p:nvSpPr>
-        <p:spPr>
-          <a:xfrm>
-            <a:off x="2207542" y="6602345"/>
-            <a:ext cx="7796540" cy="3997828"/>
-          </a:xfrm>
-        </p:spPr>
-        <p:txBody>
-          <a:bodyPr/>
-          <a:lstStyle/>
-          <a:p>
-            <a:endParaRPr lang="en-US"/>
           </a:p>
         </p:txBody>
       </p:sp>
@@ -6915,7 +7174,7 @@
         </p:blipFill>
         <p:spPr>
           <a:xfrm>
-            <a:off x="10300608" y="-2713"/>
+            <a:off x="9688212" y="509016"/>
             <a:ext cx="1050437" cy="1028693"/>
           </a:xfrm>
           <a:custGeom>
